--- a/ENSF692_Project_Zhou_Shenfield_PPTX.pptx
+++ b/ENSF692_Project_Zhou_Shenfield_PPTX.pptx
@@ -10,6 +10,7 @@
     <p:sldId id="258" r:id="rId4"/>
     <p:sldId id="259" r:id="rId5"/>
     <p:sldId id="260" r:id="rId6"/>
+    <p:sldId id="261" r:id="rId7"/>
   </p:sldIdLst>
   <p:sldSz cx="12192000" cy="6858000"/>
   <p:notesSz cx="6858000" cy="9144000"/>
@@ -119,7 +120,7 @@
 <file path=ppt/revisionInfo.xml><?xml version="1.0" encoding="utf-8"?>
 <p1510:revInfo xmlns:a="http://schemas.openxmlformats.org/drawingml/2006/main" xmlns:r="http://schemas.openxmlformats.org/officeDocument/2006/relationships" xmlns:p1510="http://schemas.microsoft.com/office/powerpoint/2015/10/main">
   <p1510:revLst>
-    <p1510:client id="{8531A0A8-BD07-2C08-6F25-103A04D9C865}" v="1017" dt="2025-06-15T22:39:50.683"/>
+    <p1510:client id="{8531A0A8-BD07-2C08-6F25-103A04D9C865}" v="1046" dt="2025-06-16T01:35:05.907"/>
   </p1510:revLst>
 </p1510:revInfo>
 </file>
@@ -4592,12 +4593,50 @@
           </a:p>
         </p:txBody>
       </p:sp>
+      <p:sp>
+        <p:nvSpPr>
+          <p:cNvPr id="6" name="TextBox 5">
+            <a:extLst>
+              <a:ext uri="{FF2B5EF4-FFF2-40B4-BE49-F238E27FC236}">
+                <a16:creationId xmlns:a16="http://schemas.microsoft.com/office/drawing/2014/main" id="{7E5F2D2F-8CF0-FB13-90EB-314700AA660B}"/>
+              </a:ext>
+            </a:extLst>
+          </p:cNvPr>
+          <p:cNvSpPr txBox="1"/>
+          <p:nvPr/>
+        </p:nvSpPr>
+        <p:spPr>
+          <a:xfrm>
+            <a:off x="665825" y="3595455"/>
+            <a:ext cx="2648504" cy="1200329"/>
+          </a:xfrm>
+          <a:prstGeom prst="rect">
+            <a:avLst/>
+          </a:prstGeom>
+          <a:noFill/>
+        </p:spPr>
+        <p:txBody>
+          <a:bodyPr rot="0" spcFirstLastPara="0" vertOverflow="overflow" horzOverflow="overflow" vert="horz" wrap="square" lIns="91440" tIns="45720" rIns="91440" bIns="45720" numCol="1" spcCol="0" rtlCol="0" fromWordArt="0" anchor="t" anchorCtr="0" forceAA="0" compatLnSpc="1">
+            <a:prstTxWarp prst="textNoShape">
+              <a:avLst/>
+            </a:prstTxWarp>
+            <a:spAutoFit/>
+          </a:bodyPr>
+          <a:lstStyle/>
+          <a:p>
+            <a:r>
+              <a:rPr lang="en-US" dirty="0"/>
+              <a:t>The output will be a dual y-axis plot to overlay migration statistics with the chosen statistic. </a:t>
+            </a:r>
+          </a:p>
+        </p:txBody>
+      </p:sp>
       <p:pic>
         <p:nvPicPr>
-          <p:cNvPr id="5" name="Picture 4" descr="A graph showing a number of different colored lines&#10;&#10;AI-generated content may be incorrect.">
-            <a:extLst>
-              <a:ext uri="{FF2B5EF4-FFF2-40B4-BE49-F238E27FC236}">
-                <a16:creationId xmlns:a16="http://schemas.microsoft.com/office/drawing/2014/main" id="{89994374-4E13-1133-6E40-7926ABEC041C}"/>
+          <p:cNvPr id="4" name="Picture 3">
+            <a:extLst>
+              <a:ext uri="{FF2B5EF4-FFF2-40B4-BE49-F238E27FC236}">
+                <a16:creationId xmlns:a16="http://schemas.microsoft.com/office/drawing/2014/main" id="{7F9F4AE6-FE42-7BFE-B9E0-5C21723BB4F9}"/>
               </a:ext>
             </a:extLst>
           </p:cNvPr>
@@ -4614,52 +4653,14 @@
         </p:blipFill>
         <p:spPr>
           <a:xfrm>
-            <a:off x="3713435" y="2337786"/>
-            <a:ext cx="7443228" cy="4505417"/>
+            <a:off x="3731408" y="2409742"/>
+            <a:ext cx="7568776" cy="4448259"/>
           </a:xfrm>
           <a:prstGeom prst="rect">
             <a:avLst/>
           </a:prstGeom>
         </p:spPr>
       </p:pic>
-      <p:sp>
-        <p:nvSpPr>
-          <p:cNvPr id="6" name="TextBox 5">
-            <a:extLst>
-              <a:ext uri="{FF2B5EF4-FFF2-40B4-BE49-F238E27FC236}">
-                <a16:creationId xmlns:a16="http://schemas.microsoft.com/office/drawing/2014/main" id="{7E5F2D2F-8CF0-FB13-90EB-314700AA660B}"/>
-              </a:ext>
-            </a:extLst>
-          </p:cNvPr>
-          <p:cNvSpPr txBox="1"/>
-          <p:nvPr/>
-        </p:nvSpPr>
-        <p:spPr>
-          <a:xfrm>
-            <a:off x="665825" y="3595455"/>
-            <a:ext cx="2648504" cy="1200329"/>
-          </a:xfrm>
-          <a:prstGeom prst="rect">
-            <a:avLst/>
-          </a:prstGeom>
-          <a:noFill/>
-        </p:spPr>
-        <p:txBody>
-          <a:bodyPr rot="0" spcFirstLastPara="0" vertOverflow="overflow" horzOverflow="overflow" vert="horz" wrap="square" lIns="91440" tIns="45720" rIns="91440" bIns="45720" numCol="1" spcCol="0" rtlCol="0" fromWordArt="0" anchor="t" anchorCtr="0" forceAA="0" compatLnSpc="1">
-            <a:prstTxWarp prst="textNoShape">
-              <a:avLst/>
-            </a:prstTxWarp>
-            <a:spAutoFit/>
-          </a:bodyPr>
-          <a:lstStyle/>
-          <a:p>
-            <a:r>
-              <a:rPr lang="en-US" dirty="0"/>
-              <a:t>The output will be a dual y-axis graph to overlay migration statistics with the chosen statistic. </a:t>
-            </a:r>
-          </a:p>
-        </p:txBody>
-      </p:sp>
     </p:spTree>
     <p:extLst>
       <p:ext uri="{BB962C8B-B14F-4D97-AF65-F5344CB8AC3E}">
@@ -4765,6 +4766,339 @@
     <p:extLst>
       <p:ext uri="{BB962C8B-B14F-4D97-AF65-F5344CB8AC3E}">
         <p14:creationId xmlns:p14="http://schemas.microsoft.com/office/powerpoint/2010/main" val="1873993709"/>
+      </p:ext>
+    </p:extLst>
+  </p:cSld>
+  <p:clrMapOvr>
+    <a:masterClrMapping/>
+  </p:clrMapOvr>
+</p:sld>
+</file>
+
+<file path=ppt/slides/slide6.xml><?xml version="1.0" encoding="utf-8"?>
+<p:sld xmlns:a="http://schemas.openxmlformats.org/drawingml/2006/main" xmlns:r="http://schemas.openxmlformats.org/officeDocument/2006/relationships" xmlns:p="http://schemas.openxmlformats.org/presentationml/2006/main">
+  <p:cSld>
+    <p:spTree>
+      <p:nvGrpSpPr>
+        <p:cNvPr id="1" name=""/>
+        <p:cNvGrpSpPr/>
+        <p:nvPr/>
+      </p:nvGrpSpPr>
+      <p:grpSpPr>
+        <a:xfrm>
+          <a:off x="0" y="0"/>
+          <a:ext cx="0" cy="0"/>
+          <a:chOff x="0" y="0"/>
+          <a:chExt cx="0" cy="0"/>
+        </a:xfrm>
+      </p:grpSpPr>
+      <p:sp>
+        <p:nvSpPr>
+          <p:cNvPr id="2" name="Title 1">
+            <a:extLst>
+              <a:ext uri="{FF2B5EF4-FFF2-40B4-BE49-F238E27FC236}">
+                <a16:creationId xmlns:a16="http://schemas.microsoft.com/office/drawing/2014/main" id="{209E2D52-5D6F-1045-B2D3-1ECF27F7621A}"/>
+              </a:ext>
+            </a:extLst>
+          </p:cNvPr>
+          <p:cNvSpPr>
+            <a:spLocks noGrp="1"/>
+          </p:cNvSpPr>
+          <p:nvPr>
+            <p:ph type="title"/>
+          </p:nvPr>
+        </p:nvSpPr>
+        <p:spPr/>
+        <p:txBody>
+          <a:bodyPr/>
+          <a:lstStyle/>
+          <a:p>
+            <a:r>
+              <a:rPr lang="en-US" dirty="0"/>
+              <a:t>Datasets</a:t>
+            </a:r>
+          </a:p>
+        </p:txBody>
+      </p:sp>
+      <p:sp>
+        <p:nvSpPr>
+          <p:cNvPr id="3" name="Content Placeholder 2">
+            <a:extLst>
+              <a:ext uri="{FF2B5EF4-FFF2-40B4-BE49-F238E27FC236}">
+                <a16:creationId xmlns:a16="http://schemas.microsoft.com/office/drawing/2014/main" id="{D507E85B-7AC7-C1C6-FA52-7E2EED45A78E}"/>
+              </a:ext>
+            </a:extLst>
+          </p:cNvPr>
+          <p:cNvSpPr>
+            <a:spLocks noGrp="1"/>
+          </p:cNvSpPr>
+          <p:nvPr>
+            <p:ph idx="1"/>
+          </p:nvPr>
+        </p:nvSpPr>
+        <p:spPr>
+          <a:xfrm>
+            <a:off x="521208" y="1718916"/>
+            <a:ext cx="11155680" cy="4627020"/>
+          </a:xfrm>
+        </p:spPr>
+        <p:txBody>
+          <a:bodyPr vert="horz" lIns="91440" tIns="45720" rIns="91440" bIns="45720" rtlCol="0" anchor="t">
+            <a:normAutofit fontScale="77500" lnSpcReduction="20000"/>
+          </a:bodyPr>
+          <a:lstStyle/>
+          <a:p>
+            <a:pPr>
+              <a:buNone/>
+            </a:pPr>
+            <a:r>
+              <a:rPr lang="en-US">
+                <a:ea typeface="+mn-lt"/>
+                <a:cs typeface="+mn-lt"/>
+              </a:rPr>
+              <a:t>[1] Statistics Canada, “Table 34-10-0139-01 – Interprovincial migration by mode of transportation and selected characteristics, annual,” *</a:t>
+            </a:r>
+            <a:r>
+              <a:rPr lang="en-US" err="1">
+                <a:ea typeface="+mn-lt"/>
+                <a:cs typeface="+mn-lt"/>
+              </a:rPr>
+              <a:t>Statistique</a:t>
+            </a:r>
+            <a:r>
+              <a:rPr lang="en-US">
+                <a:ea typeface="+mn-lt"/>
+                <a:cs typeface="+mn-lt"/>
+              </a:rPr>
+              <a:t> Canada*, accessed Jun. 16, 2025. [Online]. Available: </a:t>
+            </a:r>
+            <a:r>
+              <a:rPr lang="en-US" dirty="0">
+                <a:ea typeface="+mn-lt"/>
+                <a:cs typeface="+mn-lt"/>
+                <a:hlinkClick r:id="rId2"/>
+              </a:rPr>
+              <a:t>https://www150.statcan.gc.ca/t1/tbl1/en/tv.action?pid=3410013901</a:t>
+            </a:r>
+            <a:endParaRPr lang="en-US"/>
+          </a:p>
+          <a:p>
+            <a:pPr>
+              <a:buNone/>
+            </a:pPr>
+            <a:endParaRPr lang="en-US"/>
+          </a:p>
+          <a:p>
+            <a:pPr>
+              <a:buNone/>
+            </a:pPr>
+            <a:r>
+              <a:rPr lang="en-US">
+                <a:ea typeface="+mn-lt"/>
+                <a:cs typeface="+mn-lt"/>
+              </a:rPr>
+              <a:t>[2] Statistics Canada, “Table 17-10-0040-01 – Estimates of the components of international migration, quarterly,” *</a:t>
+            </a:r>
+            <a:r>
+              <a:rPr lang="en-US" err="1">
+                <a:ea typeface="+mn-lt"/>
+                <a:cs typeface="+mn-lt"/>
+              </a:rPr>
+              <a:t>Statistique</a:t>
+            </a:r>
+            <a:r>
+              <a:rPr lang="en-US">
+                <a:ea typeface="+mn-lt"/>
+                <a:cs typeface="+mn-lt"/>
+              </a:rPr>
+              <a:t> Canada*, released Mar. 19, 2025; accessed Jun. 16, 2025. [Online]. Available: </a:t>
+            </a:r>
+            <a:r>
+              <a:rPr lang="en-US" dirty="0">
+                <a:ea typeface="+mn-lt"/>
+                <a:cs typeface="+mn-lt"/>
+                <a:hlinkClick r:id="rId3"/>
+              </a:rPr>
+              <a:t>https://www150.statcan.gc.ca/t1/tbl1/en/tv.action?pid=1710004001</a:t>
+            </a:r>
+            <a:endParaRPr lang="en-US"/>
+          </a:p>
+          <a:p>
+            <a:pPr>
+              <a:buNone/>
+            </a:pPr>
+            <a:endParaRPr lang="en-US"/>
+          </a:p>
+          <a:p>
+            <a:pPr>
+              <a:buNone/>
+            </a:pPr>
+            <a:r>
+              <a:rPr lang="en-US" dirty="0">
+                <a:ea typeface="+mn-lt"/>
+                <a:cs typeface="+mn-lt"/>
+              </a:rPr>
+              <a:t>[3] Statistics Canada, “Table 14-10-0287-03 – Labour force characteristics by province, monthly, seasonally adjusted,” *</a:t>
+            </a:r>
+            <a:r>
+              <a:rPr lang="en-US" dirty="0" err="1">
+                <a:ea typeface="+mn-lt"/>
+                <a:cs typeface="+mn-lt"/>
+              </a:rPr>
+              <a:t>Statistique</a:t>
+            </a:r>
+            <a:r>
+              <a:rPr lang="en-US" dirty="0">
+                <a:ea typeface="+mn-lt"/>
+                <a:cs typeface="+mn-lt"/>
+              </a:rPr>
+              <a:t> Canada*, released Jun. 6, 2025; accessed Jun. 16, 2025. [Online]. Available: </a:t>
+            </a:r>
+            <a:r>
+              <a:rPr lang="en-US" dirty="0">
+                <a:ea typeface="+mn-lt"/>
+                <a:cs typeface="+mn-lt"/>
+                <a:hlinkClick r:id="rId4"/>
+              </a:rPr>
+              <a:t>https://www150.statcan.gc.ca/t1/tbl1/en/tv.action?pid=1410028703</a:t>
+            </a:r>
+            <a:endParaRPr lang="en-US"/>
+          </a:p>
+          <a:p>
+            <a:pPr>
+              <a:buNone/>
+            </a:pPr>
+            <a:endParaRPr lang="en-US"/>
+          </a:p>
+          <a:p>
+            <a:pPr>
+              <a:buNone/>
+            </a:pPr>
+            <a:r>
+              <a:rPr lang="en-US" dirty="0">
+                <a:ea typeface="+mn-lt"/>
+                <a:cs typeface="+mn-lt"/>
+              </a:rPr>
+              <a:t>[4] Statistics Canada, “Table 36-10-0205-01 – Wages, salaries and employers’ social contributions (x 1,000), monthly,” *</a:t>
+            </a:r>
+            <a:r>
+              <a:rPr lang="en-US" dirty="0" err="1">
+                <a:ea typeface="+mn-lt"/>
+                <a:cs typeface="+mn-lt"/>
+              </a:rPr>
+              <a:t>Statistique</a:t>
+            </a:r>
+            <a:r>
+              <a:rPr lang="en-US" dirty="0">
+                <a:ea typeface="+mn-lt"/>
+                <a:cs typeface="+mn-lt"/>
+              </a:rPr>
+              <a:t> Canada*, released May 30, 2025; accessed Jun. 16, 2025. [Online]. Available: </a:t>
+            </a:r>
+            <a:r>
+              <a:rPr lang="en-US" dirty="0">
+                <a:ea typeface="+mn-lt"/>
+                <a:cs typeface="+mn-lt"/>
+                <a:hlinkClick r:id="rId5"/>
+              </a:rPr>
+              <a:t>https://www150.statcan.gc.ca/t1/tbl1/en/tv.action?pid=3610020501</a:t>
+            </a:r>
+            <a:endParaRPr lang="en-US"/>
+          </a:p>
+          <a:p>
+            <a:pPr>
+              <a:buNone/>
+            </a:pPr>
+            <a:endParaRPr lang="en-US"/>
+          </a:p>
+          <a:p>
+            <a:pPr>
+              <a:buNone/>
+            </a:pPr>
+            <a:r>
+              <a:rPr lang="en-US" dirty="0">
+                <a:ea typeface="+mn-lt"/>
+                <a:cs typeface="+mn-lt"/>
+              </a:rPr>
+              <a:t>[5] Statistics Canada, “Table 18-10-0004-01 – Consumer Price Index, monthly, not seasonally adjusted,” *</a:t>
+            </a:r>
+            <a:r>
+              <a:rPr lang="en-US" dirty="0" err="1">
+                <a:ea typeface="+mn-lt"/>
+                <a:cs typeface="+mn-lt"/>
+              </a:rPr>
+              <a:t>Statistique</a:t>
+            </a:r>
+            <a:r>
+              <a:rPr lang="en-US" dirty="0">
+                <a:ea typeface="+mn-lt"/>
+                <a:cs typeface="+mn-lt"/>
+              </a:rPr>
+              <a:t> Canada*, released May 20, 2025; accessed Jun. 16, 2025. [Online]. Available: </a:t>
+            </a:r>
+            <a:r>
+              <a:rPr lang="en-US" dirty="0">
+                <a:ea typeface="+mn-lt"/>
+                <a:cs typeface="+mn-lt"/>
+                <a:hlinkClick r:id="rId6"/>
+              </a:rPr>
+              <a:t>https://www150.statcan.gc.ca/t1/tbl1/en/tv.action?pid=1810000401</a:t>
+            </a:r>
+            <a:endParaRPr lang="en-US"/>
+          </a:p>
+          <a:p>
+            <a:pPr>
+              <a:buNone/>
+            </a:pPr>
+            <a:endParaRPr lang="en-US"/>
+          </a:p>
+          <a:p>
+            <a:pPr>
+              <a:buNone/>
+            </a:pPr>
+            <a:r>
+              <a:rPr lang="en-US" dirty="0">
+                <a:ea typeface="+mn-lt"/>
+                <a:cs typeface="+mn-lt"/>
+              </a:rPr>
+              <a:t>[6] Statistics Canada, “Table 18-10-0205-01 – New housing price index, monthly,” *</a:t>
+            </a:r>
+            <a:r>
+              <a:rPr lang="en-US" dirty="0" err="1">
+                <a:ea typeface="+mn-lt"/>
+                <a:cs typeface="+mn-lt"/>
+              </a:rPr>
+              <a:t>Statistique</a:t>
+            </a:r>
+            <a:r>
+              <a:rPr lang="en-US" dirty="0">
+                <a:ea typeface="+mn-lt"/>
+                <a:cs typeface="+mn-lt"/>
+              </a:rPr>
+              <a:t> Canada*, released May 21, 2025; accessed Jun. 16, 2025. [Online]. Available: </a:t>
+            </a:r>
+            <a:r>
+              <a:rPr lang="en-US" dirty="0">
+                <a:ea typeface="+mn-lt"/>
+                <a:cs typeface="+mn-lt"/>
+                <a:hlinkClick r:id="rId7"/>
+              </a:rPr>
+              <a:t>https://www150.statcan.gc.ca/t1/tbl1/en/tv.action?pid=1810020501</a:t>
+            </a:r>
+            <a:endParaRPr lang="en-US"/>
+          </a:p>
+          <a:p>
+            <a:pPr marL="0" indent="0">
+              <a:buNone/>
+            </a:pPr>
+            <a:endParaRPr lang="en-US" dirty="0"/>
+          </a:p>
+        </p:txBody>
+      </p:sp>
+    </p:spTree>
+    <p:extLst>
+      <p:ext uri="{BB962C8B-B14F-4D97-AF65-F5344CB8AC3E}">
+        <p14:creationId xmlns:p14="http://schemas.microsoft.com/office/powerpoint/2010/main" val="3709824151"/>
       </p:ext>
     </p:extLst>
   </p:cSld>
